--- a/report/User Authentication Report.pptx
+++ b/report/User Authentication Report.pptx
@@ -5,27 +5,29 @@
     <p:sldMasterId id="2147483648" r:id="rId1"/>
   </p:sldMasterIdLst>
   <p:notesMasterIdLst>
-    <p:notesMasterId r:id="rId20"/>
+    <p:notesMasterId r:id="rId22"/>
   </p:notesMasterIdLst>
   <p:sldIdLst>
     <p:sldId id="256" r:id="rId2"/>
     <p:sldId id="266" r:id="rId3"/>
-    <p:sldId id="263" r:id="rId4"/>
-    <p:sldId id="264" r:id="rId5"/>
-    <p:sldId id="265" r:id="rId6"/>
-    <p:sldId id="267" r:id="rId7"/>
-    <p:sldId id="268" r:id="rId8"/>
-    <p:sldId id="269" r:id="rId9"/>
-    <p:sldId id="273" r:id="rId10"/>
-    <p:sldId id="270" r:id="rId11"/>
-    <p:sldId id="274" r:id="rId12"/>
-    <p:sldId id="275" r:id="rId13"/>
-    <p:sldId id="279" r:id="rId14"/>
-    <p:sldId id="276" r:id="rId15"/>
-    <p:sldId id="277" r:id="rId16"/>
-    <p:sldId id="278" r:id="rId17"/>
-    <p:sldId id="271" r:id="rId18"/>
-    <p:sldId id="257" r:id="rId19"/>
+    <p:sldId id="280" r:id="rId4"/>
+    <p:sldId id="263" r:id="rId5"/>
+    <p:sldId id="264" r:id="rId6"/>
+    <p:sldId id="265" r:id="rId7"/>
+    <p:sldId id="267" r:id="rId8"/>
+    <p:sldId id="268" r:id="rId9"/>
+    <p:sldId id="269" r:id="rId10"/>
+    <p:sldId id="273" r:id="rId11"/>
+    <p:sldId id="270" r:id="rId12"/>
+    <p:sldId id="274" r:id="rId13"/>
+    <p:sldId id="275" r:id="rId14"/>
+    <p:sldId id="279" r:id="rId15"/>
+    <p:sldId id="276" r:id="rId16"/>
+    <p:sldId id="277" r:id="rId17"/>
+    <p:sldId id="278" r:id="rId18"/>
+    <p:sldId id="271" r:id="rId19"/>
+    <p:sldId id="257" r:id="rId20"/>
+    <p:sldId id="281" r:id="rId21"/>
   </p:sldIdLst>
   <p:sldSz cx="12192000" cy="6858000"/>
   <p:notesSz cx="6858000" cy="9144000"/>
@@ -225,7 +227,7 @@
           <a:p>
             <a:fld id="{F0876116-6738-4ABA-B377-7107601DA5DD}" type="datetimeFigureOut">
               <a:rPr lang="zh-CN" altLang="en-US" smtClean="0"/>
-              <a:t>2024/12/25</a:t>
+              <a:t>2024/12/26</a:t>
             </a:fld>
             <a:endParaRPr lang="zh-CN" altLang="en-US"/>
           </a:p>
@@ -641,7 +643,7 @@
           <a:p>
             <a:fld id="{407A2EF7-7F0C-4E84-B18C-B3F19A6758E7}" type="datetimeFigureOut">
               <a:rPr lang="en-HK" smtClean="0"/>
-              <a:t>25/12/2024</a:t>
+              <a:t>26/12/2024</a:t>
             </a:fld>
             <a:endParaRPr lang="en-HK"/>
           </a:p>
@@ -841,7 +843,7 @@
           <a:p>
             <a:fld id="{407A2EF7-7F0C-4E84-B18C-B3F19A6758E7}" type="datetimeFigureOut">
               <a:rPr lang="en-HK" smtClean="0"/>
-              <a:t>25/12/2024</a:t>
+              <a:t>26/12/2024</a:t>
             </a:fld>
             <a:endParaRPr lang="en-HK"/>
           </a:p>
@@ -1051,7 +1053,7 @@
           <a:p>
             <a:fld id="{407A2EF7-7F0C-4E84-B18C-B3F19A6758E7}" type="datetimeFigureOut">
               <a:rPr lang="en-HK" smtClean="0"/>
-              <a:t>25/12/2024</a:t>
+              <a:t>26/12/2024</a:t>
             </a:fld>
             <a:endParaRPr lang="en-HK"/>
           </a:p>
@@ -1251,7 +1253,7 @@
           <a:p>
             <a:fld id="{407A2EF7-7F0C-4E84-B18C-B3F19A6758E7}" type="datetimeFigureOut">
               <a:rPr lang="en-HK" smtClean="0"/>
-              <a:t>25/12/2024</a:t>
+              <a:t>26/12/2024</a:t>
             </a:fld>
             <a:endParaRPr lang="en-HK"/>
           </a:p>
@@ -1527,7 +1529,7 @@
           <a:p>
             <a:fld id="{407A2EF7-7F0C-4E84-B18C-B3F19A6758E7}" type="datetimeFigureOut">
               <a:rPr lang="en-HK" smtClean="0"/>
-              <a:t>25/12/2024</a:t>
+              <a:t>26/12/2024</a:t>
             </a:fld>
             <a:endParaRPr lang="en-HK"/>
           </a:p>
@@ -1795,7 +1797,7 @@
           <a:p>
             <a:fld id="{407A2EF7-7F0C-4E84-B18C-B3F19A6758E7}" type="datetimeFigureOut">
               <a:rPr lang="en-HK" smtClean="0"/>
-              <a:t>25/12/2024</a:t>
+              <a:t>26/12/2024</a:t>
             </a:fld>
             <a:endParaRPr lang="en-HK"/>
           </a:p>
@@ -2210,7 +2212,7 @@
           <a:p>
             <a:fld id="{407A2EF7-7F0C-4E84-B18C-B3F19A6758E7}" type="datetimeFigureOut">
               <a:rPr lang="en-HK" smtClean="0"/>
-              <a:t>25/12/2024</a:t>
+              <a:t>26/12/2024</a:t>
             </a:fld>
             <a:endParaRPr lang="en-HK"/>
           </a:p>
@@ -2352,7 +2354,7 @@
           <a:p>
             <a:fld id="{407A2EF7-7F0C-4E84-B18C-B3F19A6758E7}" type="datetimeFigureOut">
               <a:rPr lang="en-HK" smtClean="0"/>
-              <a:t>25/12/2024</a:t>
+              <a:t>26/12/2024</a:t>
             </a:fld>
             <a:endParaRPr lang="en-HK"/>
           </a:p>
@@ -2465,7 +2467,7 @@
           <a:p>
             <a:fld id="{407A2EF7-7F0C-4E84-B18C-B3F19A6758E7}" type="datetimeFigureOut">
               <a:rPr lang="en-HK" smtClean="0"/>
-              <a:t>25/12/2024</a:t>
+              <a:t>26/12/2024</a:t>
             </a:fld>
             <a:endParaRPr lang="en-HK"/>
           </a:p>
@@ -2778,7 +2780,7 @@
           <a:p>
             <a:fld id="{407A2EF7-7F0C-4E84-B18C-B3F19A6758E7}" type="datetimeFigureOut">
               <a:rPr lang="en-HK" smtClean="0"/>
-              <a:t>25/12/2024</a:t>
+              <a:t>26/12/2024</a:t>
             </a:fld>
             <a:endParaRPr lang="en-HK"/>
           </a:p>
@@ -3067,7 +3069,7 @@
           <a:p>
             <a:fld id="{407A2EF7-7F0C-4E84-B18C-B3F19A6758E7}" type="datetimeFigureOut">
               <a:rPr lang="en-HK" smtClean="0"/>
-              <a:t>25/12/2024</a:t>
+              <a:t>26/12/2024</a:t>
             </a:fld>
             <a:endParaRPr lang="en-HK"/>
           </a:p>
@@ -3310,7 +3312,7 @@
           <a:p>
             <a:fld id="{407A2EF7-7F0C-4E84-B18C-B3F19A6758E7}" type="datetimeFigureOut">
               <a:rPr lang="en-HK" smtClean="0"/>
-              <a:t>25/12/2024</a:t>
+              <a:t>26/12/2024</a:t>
             </a:fld>
             <a:endParaRPr lang="en-HK"/>
           </a:p>
@@ -4110,6 +4112,321 @@
         <p:cNvPr id="1" name="">
           <a:extLst>
             <a:ext uri="{FF2B5EF4-FFF2-40B4-BE49-F238E27FC236}">
+              <a16:creationId xmlns:a16="http://schemas.microsoft.com/office/drawing/2014/main" id="{1AFC0695-B458-1789-F93A-7A76DA9E2387}"/>
+            </a:ext>
+          </a:extLst>
+        </p:cNvPr>
+        <p:cNvGrpSpPr/>
+        <p:nvPr/>
+      </p:nvGrpSpPr>
+      <p:grpSpPr>
+        <a:xfrm>
+          <a:off x="0" y="0"/>
+          <a:ext cx="0" cy="0"/>
+          <a:chOff x="0" y="0"/>
+          <a:chExt cx="0" cy="0"/>
+        </a:xfrm>
+      </p:grpSpPr>
+      <p:pic>
+        <p:nvPicPr>
+          <p:cNvPr id="7" name="图形 6">
+            <a:extLst>
+              <a:ext uri="{FF2B5EF4-FFF2-40B4-BE49-F238E27FC236}">
+                <a16:creationId xmlns:a16="http://schemas.microsoft.com/office/drawing/2014/main" id="{4248FC0E-1678-FF23-649B-217129ED3DE9}"/>
+              </a:ext>
+            </a:extLst>
+          </p:cNvPr>
+          <p:cNvPicPr>
+            <a:picLocks noChangeAspect="1"/>
+          </p:cNvPicPr>
+          <p:nvPr/>
+        </p:nvPicPr>
+        <p:blipFill>
+          <a:blip r:embed="rId2">
+            <a:extLst>
+              <a:ext uri="{96DAC541-7B7A-43D3-8B79-37D633B846F1}">
+                <asvg:svgBlip xmlns:asvg="http://schemas.microsoft.com/office/drawing/2016/SVG/main" r:embed="rId3"/>
+              </a:ext>
+            </a:extLst>
+          </a:blip>
+          <a:stretch>
+            <a:fillRect/>
+          </a:stretch>
+        </p:blipFill>
+        <p:spPr>
+          <a:xfrm flipH="1">
+            <a:off x="-938124" y="-985817"/>
+            <a:ext cx="13275768" cy="2701884"/>
+          </a:xfrm>
+          <a:prstGeom prst="rect">
+            <a:avLst/>
+          </a:prstGeom>
+        </p:spPr>
+      </p:pic>
+      <p:sp>
+        <p:nvSpPr>
+          <p:cNvPr id="2" name="标题 1">
+            <a:extLst>
+              <a:ext uri="{FF2B5EF4-FFF2-40B4-BE49-F238E27FC236}">
+                <a16:creationId xmlns:a16="http://schemas.microsoft.com/office/drawing/2014/main" id="{F6B647C2-0419-F2BF-78D7-24AC4445A2FB}"/>
+              </a:ext>
+            </a:extLst>
+          </p:cNvPr>
+          <p:cNvSpPr>
+            <a:spLocks noGrp="1"/>
+          </p:cNvSpPr>
+          <p:nvPr>
+            <p:ph type="title"/>
+          </p:nvPr>
+        </p:nvSpPr>
+        <p:spPr>
+          <a:xfrm>
+            <a:off x="1960025" y="161608"/>
+            <a:ext cx="10515600" cy="1325563"/>
+          </a:xfrm>
+        </p:spPr>
+        <p:txBody>
+          <a:bodyPr/>
+          <a:lstStyle/>
+          <a:p>
+            <a:r>
+              <a:rPr lang="zh-CN" altLang="en-US" b="1" dirty="0">
+                <a:latin typeface="黑体" panose="02010609060101010101" pitchFamily="49" charset="-122"/>
+                <a:ea typeface="黑体" panose="02010609060101010101" pitchFamily="49" charset="-122"/>
+              </a:rPr>
+              <a:t>实验内容</a:t>
+            </a:r>
+            <a:endParaRPr lang="en-HK" b="1" dirty="0">
+              <a:latin typeface="黑体" panose="02010609060101010101" pitchFamily="49" charset="-122"/>
+              <a:ea typeface="黑体" panose="02010609060101010101" pitchFamily="49" charset="-122"/>
+            </a:endParaRPr>
+          </a:p>
+        </p:txBody>
+      </p:sp>
+      <p:pic>
+        <p:nvPicPr>
+          <p:cNvPr id="4" name="图形 3">
+            <a:extLst>
+              <a:ext uri="{FF2B5EF4-FFF2-40B4-BE49-F238E27FC236}">
+                <a16:creationId xmlns:a16="http://schemas.microsoft.com/office/drawing/2014/main" id="{91B591B8-2096-F8B9-9A7F-BBD5A6D5AFD0}"/>
+              </a:ext>
+            </a:extLst>
+          </p:cNvPr>
+          <p:cNvPicPr>
+            <a:picLocks noChangeAspect="1"/>
+          </p:cNvPicPr>
+          <p:nvPr/>
+        </p:nvPicPr>
+        <p:blipFill>
+          <a:blip r:embed="rId4">
+            <a:extLst>
+              <a:ext uri="{96DAC541-7B7A-43D3-8B79-37D633B846F1}">
+                <asvg:svgBlip xmlns:asvg="http://schemas.microsoft.com/office/drawing/2016/SVG/main" r:embed="rId5"/>
+              </a:ext>
+            </a:extLst>
+          </a:blip>
+          <a:stretch>
+            <a:fillRect/>
+          </a:stretch>
+        </p:blipFill>
+        <p:spPr>
+          <a:xfrm>
+            <a:off x="-25400" y="6062345"/>
+            <a:ext cx="12242800" cy="1836420"/>
+          </a:xfrm>
+          <a:prstGeom prst="rect">
+            <a:avLst/>
+          </a:prstGeom>
+        </p:spPr>
+      </p:pic>
+      <p:sp>
+        <p:nvSpPr>
+          <p:cNvPr id="5" name="箭头: 五边形 4">
+            <a:extLst>
+              <a:ext uri="{FF2B5EF4-FFF2-40B4-BE49-F238E27FC236}">
+                <a16:creationId xmlns:a16="http://schemas.microsoft.com/office/drawing/2014/main" id="{A32A1FED-A1A9-0D2E-6FF0-EBB2D2D1D473}"/>
+              </a:ext>
+            </a:extLst>
+          </p:cNvPr>
+          <p:cNvSpPr/>
+          <p:nvPr/>
+        </p:nvSpPr>
+        <p:spPr>
+          <a:xfrm rot="5400000">
+            <a:off x="702124" y="234315"/>
+            <a:ext cx="1234440" cy="765810"/>
+          </a:xfrm>
+          <a:prstGeom prst="homePlate">
+            <a:avLst/>
+          </a:prstGeom>
+          <a:solidFill>
+            <a:srgbClr val="034246"/>
+          </a:solidFill>
+        </p:spPr>
+        <p:style>
+          <a:lnRef idx="2">
+            <a:schemeClr val="accent1">
+              <a:shade val="50000"/>
+            </a:schemeClr>
+          </a:lnRef>
+          <a:fillRef idx="1">
+            <a:schemeClr val="accent1"/>
+          </a:fillRef>
+          <a:effectRef idx="0">
+            <a:schemeClr val="accent1"/>
+          </a:effectRef>
+          <a:fontRef idx="minor">
+            <a:schemeClr val="lt1"/>
+          </a:fontRef>
+        </p:style>
+        <p:txBody>
+          <a:bodyPr rtlCol="0" anchor="ctr"/>
+          <a:lstStyle/>
+          <a:p>
+            <a:pPr algn="ctr"/>
+            <a:endParaRPr lang="en-HK"/>
+          </a:p>
+        </p:txBody>
+      </p:sp>
+      <p:pic>
+        <p:nvPicPr>
+          <p:cNvPr id="6" name="图形 5">
+            <a:extLst>
+              <a:ext uri="{FF2B5EF4-FFF2-40B4-BE49-F238E27FC236}">
+                <a16:creationId xmlns:a16="http://schemas.microsoft.com/office/drawing/2014/main" id="{98E62A05-0E81-7209-9EE8-1FA512A310ED}"/>
+              </a:ext>
+            </a:extLst>
+          </p:cNvPr>
+          <p:cNvPicPr>
+            <a:picLocks noChangeAspect="1"/>
+          </p:cNvPicPr>
+          <p:nvPr/>
+        </p:nvPicPr>
+        <p:blipFill>
+          <a:blip r:embed="rId6">
+            <a:extLst>
+              <a:ext uri="{96DAC541-7B7A-43D3-8B79-37D633B846F1}">
+                <asvg:svgBlip xmlns:asvg="http://schemas.microsoft.com/office/drawing/2016/SVG/main" r:embed="rId7"/>
+              </a:ext>
+            </a:extLst>
+          </a:blip>
+          <a:stretch>
+            <a:fillRect/>
+          </a:stretch>
+        </p:blipFill>
+        <p:spPr>
+          <a:xfrm>
+            <a:off x="1074420" y="161608"/>
+            <a:ext cx="489848" cy="717523"/>
+          </a:xfrm>
+          <a:prstGeom prst="rect">
+            <a:avLst/>
+          </a:prstGeom>
+        </p:spPr>
+      </p:pic>
+      <p:sp>
+        <p:nvSpPr>
+          <p:cNvPr id="3" name="文本框 2">
+            <a:extLst>
+              <a:ext uri="{FF2B5EF4-FFF2-40B4-BE49-F238E27FC236}">
+                <a16:creationId xmlns:a16="http://schemas.microsoft.com/office/drawing/2014/main" id="{C16E095F-390E-9AE8-6086-20C9140A82DD}"/>
+              </a:ext>
+            </a:extLst>
+          </p:cNvPr>
+          <p:cNvSpPr txBox="1"/>
+          <p:nvPr/>
+        </p:nvSpPr>
+        <p:spPr>
+          <a:xfrm>
+            <a:off x="1230635" y="1877675"/>
+            <a:ext cx="7178137" cy="1965410"/>
+          </a:xfrm>
+          <a:prstGeom prst="rect">
+            <a:avLst/>
+          </a:prstGeom>
+          <a:noFill/>
+        </p:spPr>
+        <p:txBody>
+          <a:bodyPr wrap="square" rtlCol="0">
+            <a:spAutoFit/>
+          </a:bodyPr>
+          <a:lstStyle/>
+          <a:p>
+            <a:pPr marL="457200" indent="-457200">
+              <a:lnSpc>
+                <a:spcPct val="150000"/>
+              </a:lnSpc>
+              <a:buFont typeface="Arial" panose="020B0604020202020204" pitchFamily="34" charset="0"/>
+              <a:buChar char="•"/>
+            </a:pPr>
+            <a:r>
+              <a:rPr lang="en-US" altLang="zh-CN" sz="2800" dirty="0"/>
+              <a:t>SIM</a:t>
+            </a:r>
+            <a:r>
+              <a:rPr lang="zh-CN" altLang="en-US" sz="2800" dirty="0"/>
+              <a:t>卡交换攻击</a:t>
+            </a:r>
+            <a:endParaRPr lang="en-US" altLang="zh-CN" sz="2800" dirty="0"/>
+          </a:p>
+          <a:p>
+            <a:pPr marL="457200" indent="-457200">
+              <a:lnSpc>
+                <a:spcPct val="150000"/>
+              </a:lnSpc>
+              <a:buFont typeface="Arial" panose="020B0604020202020204" pitchFamily="34" charset="0"/>
+              <a:buChar char="•"/>
+            </a:pPr>
+            <a:r>
+              <a:rPr lang="zh-CN" altLang="en-US" sz="2800" b="1" dirty="0">
+                <a:solidFill>
+                  <a:srgbClr val="FF0000"/>
+                </a:solidFill>
+              </a:rPr>
+              <a:t>电话号码回收攻击</a:t>
+            </a:r>
+            <a:endParaRPr lang="en-US" altLang="zh-CN" sz="2800" b="1" dirty="0">
+              <a:solidFill>
+                <a:srgbClr val="FF0000"/>
+              </a:solidFill>
+            </a:endParaRPr>
+          </a:p>
+          <a:p>
+            <a:pPr marL="457200" indent="-457200">
+              <a:lnSpc>
+                <a:spcPct val="150000"/>
+              </a:lnSpc>
+              <a:buFont typeface="Arial" panose="020B0604020202020204" pitchFamily="34" charset="0"/>
+              <a:buChar char="•"/>
+            </a:pPr>
+            <a:r>
+              <a:rPr lang="zh-CN" altLang="en-US" sz="2800" dirty="0"/>
+              <a:t>主流网站的密码策略研究</a:t>
+            </a:r>
+          </a:p>
+        </p:txBody>
+      </p:sp>
+    </p:spTree>
+    <p:extLst>
+      <p:ext uri="{BB962C8B-B14F-4D97-AF65-F5344CB8AC3E}">
+        <p14:creationId xmlns:p14="http://schemas.microsoft.com/office/powerpoint/2010/main" val="1229051901"/>
+      </p:ext>
+    </p:extLst>
+  </p:cSld>
+  <p:clrMapOvr>
+    <a:masterClrMapping/>
+  </p:clrMapOvr>
+</p:sld>
+</file>
+
+<file path=ppt/slides/slide11.xml><?xml version="1.0" encoding="utf-8"?>
+<p:sld xmlns:a="http://schemas.openxmlformats.org/drawingml/2006/main" xmlns:r="http://schemas.openxmlformats.org/officeDocument/2006/relationships" xmlns:p="http://schemas.openxmlformats.org/presentationml/2006/main">
+  <p:cSld>
+    <p:spTree>
+      <p:nvGrpSpPr>
+        <p:cNvPr id="1" name="">
+          <a:extLst>
+            <a:ext uri="{FF2B5EF4-FFF2-40B4-BE49-F238E27FC236}">
               <a16:creationId xmlns:a16="http://schemas.microsoft.com/office/drawing/2014/main" id="{E738919C-D5A0-5582-9EC2-FB623610A021}"/>
             </a:ext>
           </a:extLst>
@@ -4415,7 +4732,7 @@
 </p:sld>
 </file>
 
-<file path=ppt/slides/slide11.xml><?xml version="1.0" encoding="utf-8"?>
+<file path=ppt/slides/slide12.xml><?xml version="1.0" encoding="utf-8"?>
 <p:sld xmlns:a="http://schemas.openxmlformats.org/drawingml/2006/main" xmlns:r="http://schemas.openxmlformats.org/officeDocument/2006/relationships" xmlns:p="http://schemas.openxmlformats.org/presentationml/2006/main">
   <p:cSld>
     <p:spTree>
@@ -4811,7 +5128,7 @@
 </p:sld>
 </file>
 
-<file path=ppt/slides/slide12.xml><?xml version="1.0" encoding="utf-8"?>
+<file path=ppt/slides/slide13.xml><?xml version="1.0" encoding="utf-8"?>
 <p:sld xmlns:a="http://schemas.openxmlformats.org/drawingml/2006/main" xmlns:r="http://schemas.openxmlformats.org/officeDocument/2006/relationships" xmlns:p="http://schemas.openxmlformats.org/presentationml/2006/main">
   <p:cSld>
     <p:spTree>
@@ -5084,7 +5401,7 @@
 </p:sld>
 </file>
 
-<file path=ppt/slides/slide13.xml><?xml version="1.0" encoding="utf-8"?>
+<file path=ppt/slides/slide14.xml><?xml version="1.0" encoding="utf-8"?>
 <p:sld xmlns:a="http://schemas.openxmlformats.org/drawingml/2006/main" xmlns:r="http://schemas.openxmlformats.org/officeDocument/2006/relationships" xmlns:p="http://schemas.openxmlformats.org/presentationml/2006/main">
   <p:cSld>
     <p:spTree>
@@ -5395,7 +5712,7 @@
 </p:sld>
 </file>
 
-<file path=ppt/slides/slide14.xml><?xml version="1.0" encoding="utf-8"?>
+<file path=ppt/slides/slide15.xml><?xml version="1.0" encoding="utf-8"?>
 <p:sld xmlns:a="http://schemas.openxmlformats.org/drawingml/2006/main" xmlns:r="http://schemas.openxmlformats.org/officeDocument/2006/relationships" xmlns:p="http://schemas.openxmlformats.org/presentationml/2006/main">
   <p:cSld>
     <p:spTree>
@@ -5732,7 +6049,7 @@
 </p:sld>
 </file>
 
-<file path=ppt/slides/slide15.xml><?xml version="1.0" encoding="utf-8"?>
+<file path=ppt/slides/slide16.xml><?xml version="1.0" encoding="utf-8"?>
 <p:sld xmlns:a="http://schemas.openxmlformats.org/drawingml/2006/main" xmlns:r="http://schemas.openxmlformats.org/officeDocument/2006/relationships" xmlns:p="http://schemas.openxmlformats.org/presentationml/2006/main">
   <p:cSld>
     <p:spTree>
@@ -6179,7 +6496,7 @@
 </p:sld>
 </file>
 
-<file path=ppt/slides/slide16.xml><?xml version="1.0" encoding="utf-8"?>
+<file path=ppt/slides/slide17.xml><?xml version="1.0" encoding="utf-8"?>
 <p:sld xmlns:a="http://schemas.openxmlformats.org/drawingml/2006/main" xmlns:r="http://schemas.openxmlformats.org/officeDocument/2006/relationships" xmlns:p="http://schemas.openxmlformats.org/presentationml/2006/main">
   <p:cSld>
     <p:spTree>
@@ -6539,7 +6856,7 @@
 </p:sld>
 </file>
 
-<file path=ppt/slides/slide17.xml><?xml version="1.0" encoding="utf-8"?>
+<file path=ppt/slides/slide18.xml><?xml version="1.0" encoding="utf-8"?>
 <p:sld xmlns:a="http://schemas.openxmlformats.org/drawingml/2006/main" xmlns:r="http://schemas.openxmlformats.org/officeDocument/2006/relationships" xmlns:p="http://schemas.openxmlformats.org/presentationml/2006/main">
   <p:cSld>
     <p:spTree>
@@ -6832,7 +7149,7 @@
 </p:sld>
 </file>
 
-<file path=ppt/slides/slide18.xml><?xml version="1.0" encoding="utf-8"?>
+<file path=ppt/slides/slide19.xml><?xml version="1.0" encoding="utf-8"?>
 <p:sld xmlns:a="http://schemas.openxmlformats.org/drawingml/2006/main" xmlns:r="http://schemas.openxmlformats.org/officeDocument/2006/relationships" xmlns:p="http://schemas.openxmlformats.org/presentationml/2006/main">
   <p:cSld>
     <p:spTree>
@@ -7221,7 +7538,594 @@
 </p:sld>
 </file>
 
+<file path=ppt/slides/slide20.xml><?xml version="1.0" encoding="utf-8"?>
+<p:sld xmlns:a="http://schemas.openxmlformats.org/drawingml/2006/main" xmlns:r="http://schemas.openxmlformats.org/officeDocument/2006/relationships" xmlns:p="http://schemas.openxmlformats.org/presentationml/2006/main">
+  <p:cSld>
+    <p:spTree>
+      <p:nvGrpSpPr>
+        <p:cNvPr id="1" name="">
+          <a:extLst>
+            <a:ext uri="{FF2B5EF4-FFF2-40B4-BE49-F238E27FC236}">
+              <a16:creationId xmlns:a16="http://schemas.microsoft.com/office/drawing/2014/main" id="{005D10B9-CA94-D60F-344C-282FE5FBB924}"/>
+            </a:ext>
+          </a:extLst>
+        </p:cNvPr>
+        <p:cNvGrpSpPr/>
+        <p:nvPr/>
+      </p:nvGrpSpPr>
+      <p:grpSpPr>
+        <a:xfrm>
+          <a:off x="0" y="0"/>
+          <a:ext cx="0" cy="0"/>
+          <a:chOff x="0" y="0"/>
+          <a:chExt cx="0" cy="0"/>
+        </a:xfrm>
+      </p:grpSpPr>
+      <p:pic>
+        <p:nvPicPr>
+          <p:cNvPr id="7" name="图形 6">
+            <a:extLst>
+              <a:ext uri="{FF2B5EF4-FFF2-40B4-BE49-F238E27FC236}">
+                <a16:creationId xmlns:a16="http://schemas.microsoft.com/office/drawing/2014/main" id="{D4803A41-E2FB-A45C-2092-D8DC3A010A1F}"/>
+              </a:ext>
+            </a:extLst>
+          </p:cNvPr>
+          <p:cNvPicPr>
+            <a:picLocks noChangeAspect="1"/>
+          </p:cNvPicPr>
+          <p:nvPr/>
+        </p:nvPicPr>
+        <p:blipFill>
+          <a:blip r:embed="rId2">
+            <a:extLst>
+              <a:ext uri="{96DAC541-7B7A-43D3-8B79-37D633B846F1}">
+                <asvg:svgBlip xmlns:asvg="http://schemas.microsoft.com/office/drawing/2016/SVG/main" r:embed="rId3"/>
+              </a:ext>
+            </a:extLst>
+          </a:blip>
+          <a:stretch>
+            <a:fillRect/>
+          </a:stretch>
+        </p:blipFill>
+        <p:spPr>
+          <a:xfrm flipH="1">
+            <a:off x="-938124" y="-985817"/>
+            <a:ext cx="13275768" cy="2701884"/>
+          </a:xfrm>
+          <a:prstGeom prst="rect">
+            <a:avLst/>
+          </a:prstGeom>
+        </p:spPr>
+      </p:pic>
+      <p:sp>
+        <p:nvSpPr>
+          <p:cNvPr id="2" name="标题 1">
+            <a:extLst>
+              <a:ext uri="{FF2B5EF4-FFF2-40B4-BE49-F238E27FC236}">
+                <a16:creationId xmlns:a16="http://schemas.microsoft.com/office/drawing/2014/main" id="{66765FDD-0A2D-4DF2-99DE-04DAFA9066BA}"/>
+              </a:ext>
+            </a:extLst>
+          </p:cNvPr>
+          <p:cNvSpPr>
+            <a:spLocks noGrp="1"/>
+          </p:cNvSpPr>
+          <p:nvPr>
+            <p:ph type="title"/>
+          </p:nvPr>
+        </p:nvSpPr>
+        <p:spPr>
+          <a:xfrm>
+            <a:off x="1960025" y="161608"/>
+            <a:ext cx="10515600" cy="1325563"/>
+          </a:xfrm>
+        </p:spPr>
+        <p:txBody>
+          <a:bodyPr/>
+          <a:lstStyle/>
+          <a:p>
+            <a:r>
+              <a:rPr lang="zh-CN" altLang="en-US" b="1" dirty="0">
+                <a:latin typeface="黑体" panose="02010609060101010101" pitchFamily="49" charset="-122"/>
+                <a:ea typeface="黑体" panose="02010609060101010101" pitchFamily="49" charset="-122"/>
+              </a:rPr>
+              <a:t>参考文献</a:t>
+            </a:r>
+            <a:endParaRPr lang="en-HK" b="1" dirty="0">
+              <a:latin typeface="黑体" panose="02010609060101010101" pitchFamily="49" charset="-122"/>
+              <a:ea typeface="黑体" panose="02010609060101010101" pitchFamily="49" charset="-122"/>
+            </a:endParaRPr>
+          </a:p>
+        </p:txBody>
+      </p:sp>
+      <p:pic>
+        <p:nvPicPr>
+          <p:cNvPr id="4" name="图形 3">
+            <a:extLst>
+              <a:ext uri="{FF2B5EF4-FFF2-40B4-BE49-F238E27FC236}">
+                <a16:creationId xmlns:a16="http://schemas.microsoft.com/office/drawing/2014/main" id="{7BBA5890-8FFA-1899-AF9F-D82C2D4DC5AF}"/>
+              </a:ext>
+            </a:extLst>
+          </p:cNvPr>
+          <p:cNvPicPr>
+            <a:picLocks noChangeAspect="1"/>
+          </p:cNvPicPr>
+          <p:nvPr/>
+        </p:nvPicPr>
+        <p:blipFill>
+          <a:blip r:embed="rId4">
+            <a:extLst>
+              <a:ext uri="{96DAC541-7B7A-43D3-8B79-37D633B846F1}">
+                <asvg:svgBlip xmlns:asvg="http://schemas.microsoft.com/office/drawing/2016/SVG/main" r:embed="rId5"/>
+              </a:ext>
+            </a:extLst>
+          </a:blip>
+          <a:stretch>
+            <a:fillRect/>
+          </a:stretch>
+        </p:blipFill>
+        <p:spPr>
+          <a:xfrm>
+            <a:off x="-25400" y="6062345"/>
+            <a:ext cx="12242800" cy="1836420"/>
+          </a:xfrm>
+          <a:prstGeom prst="rect">
+            <a:avLst/>
+          </a:prstGeom>
+        </p:spPr>
+      </p:pic>
+      <p:sp>
+        <p:nvSpPr>
+          <p:cNvPr id="5" name="箭头: 五边形 4">
+            <a:extLst>
+              <a:ext uri="{FF2B5EF4-FFF2-40B4-BE49-F238E27FC236}">
+                <a16:creationId xmlns:a16="http://schemas.microsoft.com/office/drawing/2014/main" id="{6806A701-C911-5308-09ED-8B0269C53BDD}"/>
+              </a:ext>
+            </a:extLst>
+          </p:cNvPr>
+          <p:cNvSpPr/>
+          <p:nvPr/>
+        </p:nvSpPr>
+        <p:spPr>
+          <a:xfrm rot="5400000">
+            <a:off x="702124" y="234315"/>
+            <a:ext cx="1234440" cy="765810"/>
+          </a:xfrm>
+          <a:prstGeom prst="homePlate">
+            <a:avLst/>
+          </a:prstGeom>
+          <a:solidFill>
+            <a:srgbClr val="034246"/>
+          </a:solidFill>
+        </p:spPr>
+        <p:style>
+          <a:lnRef idx="2">
+            <a:schemeClr val="accent1">
+              <a:shade val="50000"/>
+            </a:schemeClr>
+          </a:lnRef>
+          <a:fillRef idx="1">
+            <a:schemeClr val="accent1"/>
+          </a:fillRef>
+          <a:effectRef idx="0">
+            <a:schemeClr val="accent1"/>
+          </a:effectRef>
+          <a:fontRef idx="minor">
+            <a:schemeClr val="lt1"/>
+          </a:fontRef>
+        </p:style>
+        <p:txBody>
+          <a:bodyPr rtlCol="0" anchor="ctr"/>
+          <a:lstStyle/>
+          <a:p>
+            <a:pPr algn="ctr"/>
+            <a:endParaRPr lang="en-HK"/>
+          </a:p>
+        </p:txBody>
+      </p:sp>
+      <p:pic>
+        <p:nvPicPr>
+          <p:cNvPr id="6" name="图形 5">
+            <a:extLst>
+              <a:ext uri="{FF2B5EF4-FFF2-40B4-BE49-F238E27FC236}">
+                <a16:creationId xmlns:a16="http://schemas.microsoft.com/office/drawing/2014/main" id="{3372EB14-34AF-F0C1-2021-B559C472D9B5}"/>
+              </a:ext>
+            </a:extLst>
+          </p:cNvPr>
+          <p:cNvPicPr>
+            <a:picLocks noChangeAspect="1"/>
+          </p:cNvPicPr>
+          <p:nvPr/>
+        </p:nvPicPr>
+        <p:blipFill>
+          <a:blip r:embed="rId6">
+            <a:extLst>
+              <a:ext uri="{96DAC541-7B7A-43D3-8B79-37D633B846F1}">
+                <asvg:svgBlip xmlns:asvg="http://schemas.microsoft.com/office/drawing/2016/SVG/main" r:embed="rId7"/>
+              </a:ext>
+            </a:extLst>
+          </a:blip>
+          <a:stretch>
+            <a:fillRect/>
+          </a:stretch>
+        </p:blipFill>
+        <p:spPr>
+          <a:xfrm>
+            <a:off x="1074420" y="161608"/>
+            <a:ext cx="489848" cy="717523"/>
+          </a:xfrm>
+          <a:prstGeom prst="rect">
+            <a:avLst/>
+          </a:prstGeom>
+        </p:spPr>
+      </p:pic>
+      <p:sp>
+        <p:nvSpPr>
+          <p:cNvPr id="3" name="文本框 2">
+            <a:extLst>
+              <a:ext uri="{FF2B5EF4-FFF2-40B4-BE49-F238E27FC236}">
+                <a16:creationId xmlns:a16="http://schemas.microsoft.com/office/drawing/2014/main" id="{217D2E97-7468-1F07-EE45-F84B7C6FA8FD}"/>
+              </a:ext>
+            </a:extLst>
+          </p:cNvPr>
+          <p:cNvSpPr txBox="1"/>
+          <p:nvPr/>
+        </p:nvSpPr>
+        <p:spPr>
+          <a:xfrm>
+            <a:off x="542495" y="1773566"/>
+            <a:ext cx="11107009" cy="880369"/>
+          </a:xfrm>
+          <a:prstGeom prst="rect">
+            <a:avLst/>
+          </a:prstGeom>
+          <a:noFill/>
+        </p:spPr>
+        <p:txBody>
+          <a:bodyPr wrap="square" rtlCol="0">
+            <a:spAutoFit/>
+          </a:bodyPr>
+          <a:lstStyle/>
+          <a:p>
+            <a:pPr>
+              <a:lnSpc>
+                <a:spcPct val="150000"/>
+              </a:lnSpc>
+            </a:pPr>
+            <a:r>
+              <a:rPr lang="en-US" altLang="zh-CN" dirty="0"/>
+              <a:t>[1] Kevin Lee et al. “The Research-Practice Gap in User Au-</a:t>
+            </a:r>
+            <a:r>
+              <a:rPr lang="en-US" altLang="zh-CN" dirty="0" err="1"/>
+              <a:t>thentication</a:t>
+            </a:r>
+            <a:r>
+              <a:rPr lang="en-US" altLang="zh-CN" dirty="0"/>
+              <a:t>”. AAI29255940. PhD thesis. USA: </a:t>
+            </a:r>
+            <a:r>
+              <a:rPr lang="en-US" altLang="zh-CN" dirty="0" err="1"/>
+              <a:t>PrincetonUniversity</a:t>
+            </a:r>
+            <a:r>
+              <a:rPr lang="en-US" altLang="zh-CN" dirty="0"/>
+              <a:t>, 2022. ISBN: 9798351480480.</a:t>
+            </a:r>
+            <a:endParaRPr lang="zh-CN" altLang="en-US" dirty="0"/>
+          </a:p>
+        </p:txBody>
+      </p:sp>
+    </p:spTree>
+    <p:extLst>
+      <p:ext uri="{BB962C8B-B14F-4D97-AF65-F5344CB8AC3E}">
+        <p14:creationId xmlns:p14="http://schemas.microsoft.com/office/powerpoint/2010/main" val="3080912297"/>
+      </p:ext>
+    </p:extLst>
+  </p:cSld>
+  <p:clrMapOvr>
+    <a:masterClrMapping/>
+  </p:clrMapOvr>
+</p:sld>
+</file>
+
 <file path=ppt/slides/slide3.xml><?xml version="1.0" encoding="utf-8"?>
+<p:sld xmlns:a="http://schemas.openxmlformats.org/drawingml/2006/main" xmlns:r="http://schemas.openxmlformats.org/officeDocument/2006/relationships" xmlns:p="http://schemas.openxmlformats.org/presentationml/2006/main">
+  <p:cSld>
+    <p:spTree>
+      <p:nvGrpSpPr>
+        <p:cNvPr id="1" name="">
+          <a:extLst>
+            <a:ext uri="{FF2B5EF4-FFF2-40B4-BE49-F238E27FC236}">
+              <a16:creationId xmlns:a16="http://schemas.microsoft.com/office/drawing/2014/main" id="{9312F654-7FDF-E1E1-4D30-2053CC1C1313}"/>
+            </a:ext>
+          </a:extLst>
+        </p:cNvPr>
+        <p:cNvGrpSpPr/>
+        <p:nvPr/>
+      </p:nvGrpSpPr>
+      <p:grpSpPr>
+        <a:xfrm>
+          <a:off x="0" y="0"/>
+          <a:ext cx="0" cy="0"/>
+          <a:chOff x="0" y="0"/>
+          <a:chExt cx="0" cy="0"/>
+        </a:xfrm>
+      </p:grpSpPr>
+      <p:pic>
+        <p:nvPicPr>
+          <p:cNvPr id="7" name="图形 6">
+            <a:extLst>
+              <a:ext uri="{FF2B5EF4-FFF2-40B4-BE49-F238E27FC236}">
+                <a16:creationId xmlns:a16="http://schemas.microsoft.com/office/drawing/2014/main" id="{186F94B8-D082-9FAD-CE01-54A2B62AF802}"/>
+              </a:ext>
+            </a:extLst>
+          </p:cNvPr>
+          <p:cNvPicPr>
+            <a:picLocks noChangeAspect="1"/>
+          </p:cNvPicPr>
+          <p:nvPr/>
+        </p:nvPicPr>
+        <p:blipFill>
+          <a:blip r:embed="rId2">
+            <a:extLst>
+              <a:ext uri="{96DAC541-7B7A-43D3-8B79-37D633B846F1}">
+                <asvg:svgBlip xmlns:asvg="http://schemas.microsoft.com/office/drawing/2016/SVG/main" r:embed="rId3"/>
+              </a:ext>
+            </a:extLst>
+          </a:blip>
+          <a:stretch>
+            <a:fillRect/>
+          </a:stretch>
+        </p:blipFill>
+        <p:spPr>
+          <a:xfrm flipH="1">
+            <a:off x="-938124" y="-985817"/>
+            <a:ext cx="13275768" cy="2701884"/>
+          </a:xfrm>
+          <a:prstGeom prst="rect">
+            <a:avLst/>
+          </a:prstGeom>
+        </p:spPr>
+      </p:pic>
+      <p:sp>
+        <p:nvSpPr>
+          <p:cNvPr id="2" name="标题 1">
+            <a:extLst>
+              <a:ext uri="{FF2B5EF4-FFF2-40B4-BE49-F238E27FC236}">
+                <a16:creationId xmlns:a16="http://schemas.microsoft.com/office/drawing/2014/main" id="{A3402A3F-7771-680C-A60B-639404CD4CC9}"/>
+              </a:ext>
+            </a:extLst>
+          </p:cNvPr>
+          <p:cNvSpPr>
+            <a:spLocks noGrp="1"/>
+          </p:cNvSpPr>
+          <p:nvPr>
+            <p:ph type="title"/>
+          </p:nvPr>
+        </p:nvSpPr>
+        <p:spPr>
+          <a:xfrm>
+            <a:off x="1960025" y="161608"/>
+            <a:ext cx="10515600" cy="1325563"/>
+          </a:xfrm>
+        </p:spPr>
+        <p:txBody>
+          <a:bodyPr/>
+          <a:lstStyle/>
+          <a:p>
+            <a:r>
+              <a:rPr lang="zh-CN" altLang="en-US" b="1" dirty="0">
+                <a:latin typeface="黑体" panose="02010609060101010101" pitchFamily="49" charset="-122"/>
+                <a:ea typeface="黑体" panose="02010609060101010101" pitchFamily="49" charset="-122"/>
+              </a:rPr>
+              <a:t>实验内容</a:t>
+            </a:r>
+            <a:endParaRPr lang="en-HK" b="1" dirty="0">
+              <a:latin typeface="黑体" panose="02010609060101010101" pitchFamily="49" charset="-122"/>
+              <a:ea typeface="黑体" panose="02010609060101010101" pitchFamily="49" charset="-122"/>
+            </a:endParaRPr>
+          </a:p>
+        </p:txBody>
+      </p:sp>
+      <p:pic>
+        <p:nvPicPr>
+          <p:cNvPr id="4" name="图形 3">
+            <a:extLst>
+              <a:ext uri="{FF2B5EF4-FFF2-40B4-BE49-F238E27FC236}">
+                <a16:creationId xmlns:a16="http://schemas.microsoft.com/office/drawing/2014/main" id="{519E98AC-D265-AB29-C870-B25A115EEB61}"/>
+              </a:ext>
+            </a:extLst>
+          </p:cNvPr>
+          <p:cNvPicPr>
+            <a:picLocks noChangeAspect="1"/>
+          </p:cNvPicPr>
+          <p:nvPr/>
+        </p:nvPicPr>
+        <p:blipFill>
+          <a:blip r:embed="rId4">
+            <a:extLst>
+              <a:ext uri="{96DAC541-7B7A-43D3-8B79-37D633B846F1}">
+                <asvg:svgBlip xmlns:asvg="http://schemas.microsoft.com/office/drawing/2016/SVG/main" r:embed="rId5"/>
+              </a:ext>
+            </a:extLst>
+          </a:blip>
+          <a:stretch>
+            <a:fillRect/>
+          </a:stretch>
+        </p:blipFill>
+        <p:spPr>
+          <a:xfrm>
+            <a:off x="-25400" y="6062345"/>
+            <a:ext cx="12242800" cy="1836420"/>
+          </a:xfrm>
+          <a:prstGeom prst="rect">
+            <a:avLst/>
+          </a:prstGeom>
+        </p:spPr>
+      </p:pic>
+      <p:sp>
+        <p:nvSpPr>
+          <p:cNvPr id="5" name="箭头: 五边形 4">
+            <a:extLst>
+              <a:ext uri="{FF2B5EF4-FFF2-40B4-BE49-F238E27FC236}">
+                <a16:creationId xmlns:a16="http://schemas.microsoft.com/office/drawing/2014/main" id="{B00D5CF7-95A8-977A-7D68-6AE5BE7DB7B5}"/>
+              </a:ext>
+            </a:extLst>
+          </p:cNvPr>
+          <p:cNvSpPr/>
+          <p:nvPr/>
+        </p:nvSpPr>
+        <p:spPr>
+          <a:xfrm rot="5400000">
+            <a:off x="702124" y="234315"/>
+            <a:ext cx="1234440" cy="765810"/>
+          </a:xfrm>
+          <a:prstGeom prst="homePlate">
+            <a:avLst/>
+          </a:prstGeom>
+          <a:solidFill>
+            <a:srgbClr val="034246"/>
+          </a:solidFill>
+        </p:spPr>
+        <p:style>
+          <a:lnRef idx="2">
+            <a:schemeClr val="accent1">
+              <a:shade val="50000"/>
+            </a:schemeClr>
+          </a:lnRef>
+          <a:fillRef idx="1">
+            <a:schemeClr val="accent1"/>
+          </a:fillRef>
+          <a:effectRef idx="0">
+            <a:schemeClr val="accent1"/>
+          </a:effectRef>
+          <a:fontRef idx="minor">
+            <a:schemeClr val="lt1"/>
+          </a:fontRef>
+        </p:style>
+        <p:txBody>
+          <a:bodyPr rtlCol="0" anchor="ctr"/>
+          <a:lstStyle/>
+          <a:p>
+            <a:pPr algn="ctr"/>
+            <a:endParaRPr lang="en-HK"/>
+          </a:p>
+        </p:txBody>
+      </p:sp>
+      <p:pic>
+        <p:nvPicPr>
+          <p:cNvPr id="6" name="图形 5">
+            <a:extLst>
+              <a:ext uri="{FF2B5EF4-FFF2-40B4-BE49-F238E27FC236}">
+                <a16:creationId xmlns:a16="http://schemas.microsoft.com/office/drawing/2014/main" id="{8747B44F-68AA-D9D6-55E5-EAF9B70C8A3E}"/>
+              </a:ext>
+            </a:extLst>
+          </p:cNvPr>
+          <p:cNvPicPr>
+            <a:picLocks noChangeAspect="1"/>
+          </p:cNvPicPr>
+          <p:nvPr/>
+        </p:nvPicPr>
+        <p:blipFill>
+          <a:blip r:embed="rId6">
+            <a:extLst>
+              <a:ext uri="{96DAC541-7B7A-43D3-8B79-37D633B846F1}">
+                <asvg:svgBlip xmlns:asvg="http://schemas.microsoft.com/office/drawing/2016/SVG/main" r:embed="rId7"/>
+              </a:ext>
+            </a:extLst>
+          </a:blip>
+          <a:stretch>
+            <a:fillRect/>
+          </a:stretch>
+        </p:blipFill>
+        <p:spPr>
+          <a:xfrm>
+            <a:off x="1074420" y="161608"/>
+            <a:ext cx="489848" cy="717523"/>
+          </a:xfrm>
+          <a:prstGeom prst="rect">
+            <a:avLst/>
+          </a:prstGeom>
+        </p:spPr>
+      </p:pic>
+      <p:sp>
+        <p:nvSpPr>
+          <p:cNvPr id="3" name="文本框 2">
+            <a:extLst>
+              <a:ext uri="{FF2B5EF4-FFF2-40B4-BE49-F238E27FC236}">
+                <a16:creationId xmlns:a16="http://schemas.microsoft.com/office/drawing/2014/main" id="{3F1BCF7A-C379-9ED1-B0A6-FDB30B3664C5}"/>
+              </a:ext>
+            </a:extLst>
+          </p:cNvPr>
+          <p:cNvSpPr txBox="1"/>
+          <p:nvPr/>
+        </p:nvSpPr>
+        <p:spPr>
+          <a:xfrm>
+            <a:off x="1230635" y="1877675"/>
+            <a:ext cx="9899183" cy="1891287"/>
+          </a:xfrm>
+          <a:prstGeom prst="rect">
+            <a:avLst/>
+          </a:prstGeom>
+          <a:noFill/>
+        </p:spPr>
+        <p:txBody>
+          <a:bodyPr wrap="square" rtlCol="0">
+            <a:spAutoFit/>
+          </a:bodyPr>
+          <a:lstStyle/>
+          <a:p>
+            <a:pPr>
+              <a:lnSpc>
+                <a:spcPct val="150000"/>
+              </a:lnSpc>
+            </a:pPr>
+            <a:r>
+              <a:rPr lang="zh-CN" altLang="en-US" sz="2000" dirty="0"/>
+              <a:t>本实验参考了普林斯顿大学</a:t>
+            </a:r>
+            <a:r>
+              <a:rPr lang="en-US" altLang="zh-CN" sz="2000" dirty="0"/>
+              <a:t>Kevin Lee</a:t>
+            </a:r>
+            <a:r>
+              <a:rPr lang="zh-CN" altLang="en-US" sz="2000" dirty="0"/>
+              <a:t>的博士毕业论文，尝试复现文章中提到的三个实验，分别为</a:t>
+            </a:r>
+            <a:r>
+              <a:rPr lang="en-US" altLang="zh-CN" sz="2000" dirty="0"/>
+              <a:t>SIM</a:t>
+            </a:r>
+            <a:r>
+              <a:rPr lang="zh-CN" altLang="en-US" sz="2000" dirty="0"/>
+              <a:t>卡交换攻击，电话号码回收攻击以及密码策略研究。论文的实验基于真实环境，使用真实的手机号码进行。在本实验中，我通过编写一组</a:t>
+            </a:r>
+            <a:r>
+              <a:rPr lang="en-US" altLang="zh-CN" sz="2000" dirty="0"/>
+              <a:t>CS</a:t>
+            </a:r>
+            <a:r>
+              <a:rPr lang="zh-CN" altLang="en-US" sz="2000" dirty="0"/>
+              <a:t>程序，使用论文中提到的攻击步骤简化实验，在虚拟环境中模拟实验的进行。</a:t>
+            </a:r>
+          </a:p>
+        </p:txBody>
+      </p:sp>
+    </p:spTree>
+    <p:extLst>
+      <p:ext uri="{BB962C8B-B14F-4D97-AF65-F5344CB8AC3E}">
+        <p14:creationId xmlns:p14="http://schemas.microsoft.com/office/powerpoint/2010/main" val="654491557"/>
+      </p:ext>
+    </p:extLst>
+  </p:cSld>
+  <p:clrMapOvr>
+    <a:masterClrMapping/>
+  </p:clrMapOvr>
+</p:sld>
+</file>
+
+<file path=ppt/slides/slide4.xml><?xml version="1.0" encoding="utf-8"?>
 <p:sld xmlns:a="http://schemas.openxmlformats.org/drawingml/2006/main" xmlns:r="http://schemas.openxmlformats.org/officeDocument/2006/relationships" xmlns:p="http://schemas.openxmlformats.org/presentationml/2006/main">
   <p:cSld>
     <p:spTree>
@@ -7540,7 +8444,7 @@
 </p:sld>
 </file>
 
-<file path=ppt/slides/slide4.xml><?xml version="1.0" encoding="utf-8"?>
+<file path=ppt/slides/slide5.xml><?xml version="1.0" encoding="utf-8"?>
 <p:sld xmlns:a="http://schemas.openxmlformats.org/drawingml/2006/main" xmlns:r="http://schemas.openxmlformats.org/officeDocument/2006/relationships" xmlns:p="http://schemas.openxmlformats.org/presentationml/2006/main">
   <p:cSld>
     <p:spTree>
@@ -7945,7 +8849,7 @@
 </p:sld>
 </file>
 
-<file path=ppt/slides/slide5.xml><?xml version="1.0" encoding="utf-8"?>
+<file path=ppt/slides/slide6.xml><?xml version="1.0" encoding="utf-8"?>
 <p:sld xmlns:a="http://schemas.openxmlformats.org/drawingml/2006/main" xmlns:r="http://schemas.openxmlformats.org/officeDocument/2006/relationships" xmlns:p="http://schemas.openxmlformats.org/presentationml/2006/main">
   <p:cSld>
     <p:spTree>
@@ -8290,7 +9194,7 @@
 </p:sld>
 </file>
 
-<file path=ppt/slides/slide6.xml><?xml version="1.0" encoding="utf-8"?>
+<file path=ppt/slides/slide7.xml><?xml version="1.0" encoding="utf-8"?>
 <p:sld xmlns:a="http://schemas.openxmlformats.org/drawingml/2006/main" xmlns:r="http://schemas.openxmlformats.org/officeDocument/2006/relationships" xmlns:p="http://schemas.openxmlformats.org/presentationml/2006/main">
   <p:cSld>
     <p:spTree>
@@ -8713,7 +9617,7 @@
 </p:sld>
 </file>
 
-<file path=ppt/slides/slide7.xml><?xml version="1.0" encoding="utf-8"?>
+<file path=ppt/slides/slide8.xml><?xml version="1.0" encoding="utf-8"?>
 <p:sld xmlns:a="http://schemas.openxmlformats.org/drawingml/2006/main" xmlns:r="http://schemas.openxmlformats.org/officeDocument/2006/relationships" xmlns:p="http://schemas.openxmlformats.org/presentationml/2006/main">
   <p:cSld>
     <p:spTree>
@@ -9384,7 +10288,7 @@
 </p:sld>
 </file>
 
-<file path=ppt/slides/slide8.xml><?xml version="1.0" encoding="utf-8"?>
+<file path=ppt/slides/slide9.xml><?xml version="1.0" encoding="utf-8"?>
 <p:sld xmlns:a="http://schemas.openxmlformats.org/drawingml/2006/main" xmlns:r="http://schemas.openxmlformats.org/officeDocument/2006/relationships" xmlns:p="http://schemas.openxmlformats.org/presentationml/2006/main">
   <p:cSld>
     <p:spTree>
@@ -9676,321 +10580,6 @@
     <p:extLst>
       <p:ext uri="{BB962C8B-B14F-4D97-AF65-F5344CB8AC3E}">
         <p14:creationId xmlns:p14="http://schemas.microsoft.com/office/powerpoint/2010/main" val="4203228501"/>
-      </p:ext>
-    </p:extLst>
-  </p:cSld>
-  <p:clrMapOvr>
-    <a:masterClrMapping/>
-  </p:clrMapOvr>
-</p:sld>
-</file>
-
-<file path=ppt/slides/slide9.xml><?xml version="1.0" encoding="utf-8"?>
-<p:sld xmlns:a="http://schemas.openxmlformats.org/drawingml/2006/main" xmlns:r="http://schemas.openxmlformats.org/officeDocument/2006/relationships" xmlns:p="http://schemas.openxmlformats.org/presentationml/2006/main">
-  <p:cSld>
-    <p:spTree>
-      <p:nvGrpSpPr>
-        <p:cNvPr id="1" name="">
-          <a:extLst>
-            <a:ext uri="{FF2B5EF4-FFF2-40B4-BE49-F238E27FC236}">
-              <a16:creationId xmlns:a16="http://schemas.microsoft.com/office/drawing/2014/main" id="{1AFC0695-B458-1789-F93A-7A76DA9E2387}"/>
-            </a:ext>
-          </a:extLst>
-        </p:cNvPr>
-        <p:cNvGrpSpPr/>
-        <p:nvPr/>
-      </p:nvGrpSpPr>
-      <p:grpSpPr>
-        <a:xfrm>
-          <a:off x="0" y="0"/>
-          <a:ext cx="0" cy="0"/>
-          <a:chOff x="0" y="0"/>
-          <a:chExt cx="0" cy="0"/>
-        </a:xfrm>
-      </p:grpSpPr>
-      <p:pic>
-        <p:nvPicPr>
-          <p:cNvPr id="7" name="图形 6">
-            <a:extLst>
-              <a:ext uri="{FF2B5EF4-FFF2-40B4-BE49-F238E27FC236}">
-                <a16:creationId xmlns:a16="http://schemas.microsoft.com/office/drawing/2014/main" id="{4248FC0E-1678-FF23-649B-217129ED3DE9}"/>
-              </a:ext>
-            </a:extLst>
-          </p:cNvPr>
-          <p:cNvPicPr>
-            <a:picLocks noChangeAspect="1"/>
-          </p:cNvPicPr>
-          <p:nvPr/>
-        </p:nvPicPr>
-        <p:blipFill>
-          <a:blip r:embed="rId2">
-            <a:extLst>
-              <a:ext uri="{96DAC541-7B7A-43D3-8B79-37D633B846F1}">
-                <asvg:svgBlip xmlns:asvg="http://schemas.microsoft.com/office/drawing/2016/SVG/main" r:embed="rId3"/>
-              </a:ext>
-            </a:extLst>
-          </a:blip>
-          <a:stretch>
-            <a:fillRect/>
-          </a:stretch>
-        </p:blipFill>
-        <p:spPr>
-          <a:xfrm flipH="1">
-            <a:off x="-938124" y="-985817"/>
-            <a:ext cx="13275768" cy="2701884"/>
-          </a:xfrm>
-          <a:prstGeom prst="rect">
-            <a:avLst/>
-          </a:prstGeom>
-        </p:spPr>
-      </p:pic>
-      <p:sp>
-        <p:nvSpPr>
-          <p:cNvPr id="2" name="标题 1">
-            <a:extLst>
-              <a:ext uri="{FF2B5EF4-FFF2-40B4-BE49-F238E27FC236}">
-                <a16:creationId xmlns:a16="http://schemas.microsoft.com/office/drawing/2014/main" id="{F6B647C2-0419-F2BF-78D7-24AC4445A2FB}"/>
-              </a:ext>
-            </a:extLst>
-          </p:cNvPr>
-          <p:cNvSpPr>
-            <a:spLocks noGrp="1"/>
-          </p:cNvSpPr>
-          <p:nvPr>
-            <p:ph type="title"/>
-          </p:nvPr>
-        </p:nvSpPr>
-        <p:spPr>
-          <a:xfrm>
-            <a:off x="1960025" y="161608"/>
-            <a:ext cx="10515600" cy="1325563"/>
-          </a:xfrm>
-        </p:spPr>
-        <p:txBody>
-          <a:bodyPr/>
-          <a:lstStyle/>
-          <a:p>
-            <a:r>
-              <a:rPr lang="zh-CN" altLang="en-US" b="1" dirty="0">
-                <a:latin typeface="黑体" panose="02010609060101010101" pitchFamily="49" charset="-122"/>
-                <a:ea typeface="黑体" panose="02010609060101010101" pitchFamily="49" charset="-122"/>
-              </a:rPr>
-              <a:t>实验内容</a:t>
-            </a:r>
-            <a:endParaRPr lang="en-HK" b="1" dirty="0">
-              <a:latin typeface="黑体" panose="02010609060101010101" pitchFamily="49" charset="-122"/>
-              <a:ea typeface="黑体" panose="02010609060101010101" pitchFamily="49" charset="-122"/>
-            </a:endParaRPr>
-          </a:p>
-        </p:txBody>
-      </p:sp>
-      <p:pic>
-        <p:nvPicPr>
-          <p:cNvPr id="4" name="图形 3">
-            <a:extLst>
-              <a:ext uri="{FF2B5EF4-FFF2-40B4-BE49-F238E27FC236}">
-                <a16:creationId xmlns:a16="http://schemas.microsoft.com/office/drawing/2014/main" id="{91B591B8-2096-F8B9-9A7F-BBD5A6D5AFD0}"/>
-              </a:ext>
-            </a:extLst>
-          </p:cNvPr>
-          <p:cNvPicPr>
-            <a:picLocks noChangeAspect="1"/>
-          </p:cNvPicPr>
-          <p:nvPr/>
-        </p:nvPicPr>
-        <p:blipFill>
-          <a:blip r:embed="rId4">
-            <a:extLst>
-              <a:ext uri="{96DAC541-7B7A-43D3-8B79-37D633B846F1}">
-                <asvg:svgBlip xmlns:asvg="http://schemas.microsoft.com/office/drawing/2016/SVG/main" r:embed="rId5"/>
-              </a:ext>
-            </a:extLst>
-          </a:blip>
-          <a:stretch>
-            <a:fillRect/>
-          </a:stretch>
-        </p:blipFill>
-        <p:spPr>
-          <a:xfrm>
-            <a:off x="-25400" y="6062345"/>
-            <a:ext cx="12242800" cy="1836420"/>
-          </a:xfrm>
-          <a:prstGeom prst="rect">
-            <a:avLst/>
-          </a:prstGeom>
-        </p:spPr>
-      </p:pic>
-      <p:sp>
-        <p:nvSpPr>
-          <p:cNvPr id="5" name="箭头: 五边形 4">
-            <a:extLst>
-              <a:ext uri="{FF2B5EF4-FFF2-40B4-BE49-F238E27FC236}">
-                <a16:creationId xmlns:a16="http://schemas.microsoft.com/office/drawing/2014/main" id="{A32A1FED-A1A9-0D2E-6FF0-EBB2D2D1D473}"/>
-              </a:ext>
-            </a:extLst>
-          </p:cNvPr>
-          <p:cNvSpPr/>
-          <p:nvPr/>
-        </p:nvSpPr>
-        <p:spPr>
-          <a:xfrm rot="5400000">
-            <a:off x="702124" y="234315"/>
-            <a:ext cx="1234440" cy="765810"/>
-          </a:xfrm>
-          <a:prstGeom prst="homePlate">
-            <a:avLst/>
-          </a:prstGeom>
-          <a:solidFill>
-            <a:srgbClr val="034246"/>
-          </a:solidFill>
-        </p:spPr>
-        <p:style>
-          <a:lnRef idx="2">
-            <a:schemeClr val="accent1">
-              <a:shade val="50000"/>
-            </a:schemeClr>
-          </a:lnRef>
-          <a:fillRef idx="1">
-            <a:schemeClr val="accent1"/>
-          </a:fillRef>
-          <a:effectRef idx="0">
-            <a:schemeClr val="accent1"/>
-          </a:effectRef>
-          <a:fontRef idx="minor">
-            <a:schemeClr val="lt1"/>
-          </a:fontRef>
-        </p:style>
-        <p:txBody>
-          <a:bodyPr rtlCol="0" anchor="ctr"/>
-          <a:lstStyle/>
-          <a:p>
-            <a:pPr algn="ctr"/>
-            <a:endParaRPr lang="en-HK"/>
-          </a:p>
-        </p:txBody>
-      </p:sp>
-      <p:pic>
-        <p:nvPicPr>
-          <p:cNvPr id="6" name="图形 5">
-            <a:extLst>
-              <a:ext uri="{FF2B5EF4-FFF2-40B4-BE49-F238E27FC236}">
-                <a16:creationId xmlns:a16="http://schemas.microsoft.com/office/drawing/2014/main" id="{98E62A05-0E81-7209-9EE8-1FA512A310ED}"/>
-              </a:ext>
-            </a:extLst>
-          </p:cNvPr>
-          <p:cNvPicPr>
-            <a:picLocks noChangeAspect="1"/>
-          </p:cNvPicPr>
-          <p:nvPr/>
-        </p:nvPicPr>
-        <p:blipFill>
-          <a:blip r:embed="rId6">
-            <a:extLst>
-              <a:ext uri="{96DAC541-7B7A-43D3-8B79-37D633B846F1}">
-                <asvg:svgBlip xmlns:asvg="http://schemas.microsoft.com/office/drawing/2016/SVG/main" r:embed="rId7"/>
-              </a:ext>
-            </a:extLst>
-          </a:blip>
-          <a:stretch>
-            <a:fillRect/>
-          </a:stretch>
-        </p:blipFill>
-        <p:spPr>
-          <a:xfrm>
-            <a:off x="1074420" y="161608"/>
-            <a:ext cx="489848" cy="717523"/>
-          </a:xfrm>
-          <a:prstGeom prst="rect">
-            <a:avLst/>
-          </a:prstGeom>
-        </p:spPr>
-      </p:pic>
-      <p:sp>
-        <p:nvSpPr>
-          <p:cNvPr id="3" name="文本框 2">
-            <a:extLst>
-              <a:ext uri="{FF2B5EF4-FFF2-40B4-BE49-F238E27FC236}">
-                <a16:creationId xmlns:a16="http://schemas.microsoft.com/office/drawing/2014/main" id="{C16E095F-390E-9AE8-6086-20C9140A82DD}"/>
-              </a:ext>
-            </a:extLst>
-          </p:cNvPr>
-          <p:cNvSpPr txBox="1"/>
-          <p:nvPr/>
-        </p:nvSpPr>
-        <p:spPr>
-          <a:xfrm>
-            <a:off x="1230635" y="1877675"/>
-            <a:ext cx="7178137" cy="1965410"/>
-          </a:xfrm>
-          <a:prstGeom prst="rect">
-            <a:avLst/>
-          </a:prstGeom>
-          <a:noFill/>
-        </p:spPr>
-        <p:txBody>
-          <a:bodyPr wrap="square" rtlCol="0">
-            <a:spAutoFit/>
-          </a:bodyPr>
-          <a:lstStyle/>
-          <a:p>
-            <a:pPr marL="457200" indent="-457200">
-              <a:lnSpc>
-                <a:spcPct val="150000"/>
-              </a:lnSpc>
-              <a:buFont typeface="Arial" panose="020B0604020202020204" pitchFamily="34" charset="0"/>
-              <a:buChar char="•"/>
-            </a:pPr>
-            <a:r>
-              <a:rPr lang="en-US" altLang="zh-CN" sz="2800" dirty="0"/>
-              <a:t>SIM</a:t>
-            </a:r>
-            <a:r>
-              <a:rPr lang="zh-CN" altLang="en-US" sz="2800" dirty="0"/>
-              <a:t>卡交换攻击</a:t>
-            </a:r>
-            <a:endParaRPr lang="en-US" altLang="zh-CN" sz="2800" dirty="0"/>
-          </a:p>
-          <a:p>
-            <a:pPr marL="457200" indent="-457200">
-              <a:lnSpc>
-                <a:spcPct val="150000"/>
-              </a:lnSpc>
-              <a:buFont typeface="Arial" panose="020B0604020202020204" pitchFamily="34" charset="0"/>
-              <a:buChar char="•"/>
-            </a:pPr>
-            <a:r>
-              <a:rPr lang="zh-CN" altLang="en-US" sz="2800" b="1" dirty="0">
-                <a:solidFill>
-                  <a:srgbClr val="FF0000"/>
-                </a:solidFill>
-              </a:rPr>
-              <a:t>电话号码回收攻击</a:t>
-            </a:r>
-            <a:endParaRPr lang="en-US" altLang="zh-CN" sz="2800" b="1" dirty="0">
-              <a:solidFill>
-                <a:srgbClr val="FF0000"/>
-              </a:solidFill>
-            </a:endParaRPr>
-          </a:p>
-          <a:p>
-            <a:pPr marL="457200" indent="-457200">
-              <a:lnSpc>
-                <a:spcPct val="150000"/>
-              </a:lnSpc>
-              <a:buFont typeface="Arial" panose="020B0604020202020204" pitchFamily="34" charset="0"/>
-              <a:buChar char="•"/>
-            </a:pPr>
-            <a:r>
-              <a:rPr lang="zh-CN" altLang="en-US" sz="2800" dirty="0"/>
-              <a:t>主流网站的密码策略研究</a:t>
-            </a:r>
-          </a:p>
-        </p:txBody>
-      </p:sp>
-    </p:spTree>
-    <p:extLst>
-      <p:ext uri="{BB962C8B-B14F-4D97-AF65-F5344CB8AC3E}">
-        <p14:creationId xmlns:p14="http://schemas.microsoft.com/office/powerpoint/2010/main" val="1229051901"/>
       </p:ext>
     </p:extLst>
   </p:cSld>
